--- a/src/숙제/d20200802/신송희/신송희.pptx
+++ b/src/숙제/d20200802/신송희/신송희.pptx
@@ -251,7 +251,7 @@
           <a:p>
             <a:fld id="{2AFE6DCD-4700-455A-AD6D-3C42515F5C57}" type="datetimeFigureOut">
               <a:rPr lang="ko-KR" altLang="en-US" smtClean="0"/>
-              <a:t>2020-08-02</a:t>
+              <a:t>2020-08-03</a:t>
             </a:fld>
             <a:endParaRPr lang="ko-KR" altLang="en-US"/>
           </a:p>
@@ -419,7 +419,7 @@
           <a:p>
             <a:fld id="{2AFE6DCD-4700-455A-AD6D-3C42515F5C57}" type="datetimeFigureOut">
               <a:rPr lang="ko-KR" altLang="en-US" smtClean="0"/>
-              <a:t>2020-08-02</a:t>
+              <a:t>2020-08-03</a:t>
             </a:fld>
             <a:endParaRPr lang="ko-KR" altLang="en-US"/>
           </a:p>
@@ -597,7 +597,7 @@
           <a:p>
             <a:fld id="{2AFE6DCD-4700-455A-AD6D-3C42515F5C57}" type="datetimeFigureOut">
               <a:rPr lang="ko-KR" altLang="en-US" smtClean="0"/>
-              <a:t>2020-08-02</a:t>
+              <a:t>2020-08-03</a:t>
             </a:fld>
             <a:endParaRPr lang="ko-KR" altLang="en-US"/>
           </a:p>
@@ -765,7 +765,7 @@
           <a:p>
             <a:fld id="{2AFE6DCD-4700-455A-AD6D-3C42515F5C57}" type="datetimeFigureOut">
               <a:rPr lang="ko-KR" altLang="en-US" smtClean="0"/>
-              <a:t>2020-08-02</a:t>
+              <a:t>2020-08-03</a:t>
             </a:fld>
             <a:endParaRPr lang="ko-KR" altLang="en-US"/>
           </a:p>
@@ -1010,7 +1010,7 @@
           <a:p>
             <a:fld id="{2AFE6DCD-4700-455A-AD6D-3C42515F5C57}" type="datetimeFigureOut">
               <a:rPr lang="ko-KR" altLang="en-US" smtClean="0"/>
-              <a:t>2020-08-02</a:t>
+              <a:t>2020-08-03</a:t>
             </a:fld>
             <a:endParaRPr lang="ko-KR" altLang="en-US"/>
           </a:p>
@@ -1239,7 +1239,7 @@
           <a:p>
             <a:fld id="{2AFE6DCD-4700-455A-AD6D-3C42515F5C57}" type="datetimeFigureOut">
               <a:rPr lang="ko-KR" altLang="en-US" smtClean="0"/>
-              <a:t>2020-08-02</a:t>
+              <a:t>2020-08-03</a:t>
             </a:fld>
             <a:endParaRPr lang="ko-KR" altLang="en-US"/>
           </a:p>
@@ -1603,7 +1603,7 @@
           <a:p>
             <a:fld id="{2AFE6DCD-4700-455A-AD6D-3C42515F5C57}" type="datetimeFigureOut">
               <a:rPr lang="ko-KR" altLang="en-US" smtClean="0"/>
-              <a:t>2020-08-02</a:t>
+              <a:t>2020-08-03</a:t>
             </a:fld>
             <a:endParaRPr lang="ko-KR" altLang="en-US"/>
           </a:p>
@@ -1720,7 +1720,7 @@
           <a:p>
             <a:fld id="{2AFE6DCD-4700-455A-AD6D-3C42515F5C57}" type="datetimeFigureOut">
               <a:rPr lang="ko-KR" altLang="en-US" smtClean="0"/>
-              <a:t>2020-08-02</a:t>
+              <a:t>2020-08-03</a:t>
             </a:fld>
             <a:endParaRPr lang="ko-KR" altLang="en-US"/>
           </a:p>
@@ -1815,7 +1815,7 @@
           <a:p>
             <a:fld id="{2AFE6DCD-4700-455A-AD6D-3C42515F5C57}" type="datetimeFigureOut">
               <a:rPr lang="ko-KR" altLang="en-US" smtClean="0"/>
-              <a:t>2020-08-02</a:t>
+              <a:t>2020-08-03</a:t>
             </a:fld>
             <a:endParaRPr lang="ko-KR" altLang="en-US"/>
           </a:p>
@@ -2090,7 +2090,7 @@
           <a:p>
             <a:fld id="{2AFE6DCD-4700-455A-AD6D-3C42515F5C57}" type="datetimeFigureOut">
               <a:rPr lang="ko-KR" altLang="en-US" smtClean="0"/>
-              <a:t>2020-08-02</a:t>
+              <a:t>2020-08-03</a:t>
             </a:fld>
             <a:endParaRPr lang="ko-KR" altLang="en-US"/>
           </a:p>
@@ -2342,7 +2342,7 @@
           <a:p>
             <a:fld id="{2AFE6DCD-4700-455A-AD6D-3C42515F5C57}" type="datetimeFigureOut">
               <a:rPr lang="ko-KR" altLang="en-US" smtClean="0"/>
-              <a:t>2020-08-02</a:t>
+              <a:t>2020-08-03</a:t>
             </a:fld>
             <a:endParaRPr lang="ko-KR" altLang="en-US"/>
           </a:p>
@@ -2553,7 +2553,7 @@
           <a:p>
             <a:fld id="{2AFE6DCD-4700-455A-AD6D-3C42515F5C57}" type="datetimeFigureOut">
               <a:rPr lang="ko-KR" altLang="en-US" smtClean="0"/>
-              <a:t>2020-08-02</a:t>
+              <a:t>2020-08-03</a:t>
             </a:fld>
             <a:endParaRPr lang="ko-KR" altLang="en-US"/>
           </a:p>
@@ -12634,12 +12634,12 @@
               <a:t>Declaration (</a:t>
             </a:r>
             <a:r>
-              <a:rPr lang="ko-KR" altLang="en-US" sz="2400" b="1" dirty="0">
+              <a:rPr lang="ko-KR" altLang="en-US" sz="2400" b="1" dirty="0" err="1">
                 <a:solidFill>
                   <a:prstClr val="white"/>
                 </a:solidFill>
               </a:rPr>
-              <a:t>선언문</a:t>
+              <a:t>선언부</a:t>
             </a:r>
             <a:r>
               <a:rPr lang="en-US" altLang="ko-KR" sz="2400" b="1" dirty="0">

--- a/src/숙제/d20200802/신송희/신송희.pptx
+++ b/src/숙제/d20200802/신송희/신송희.pptx
@@ -5513,7 +5513,7 @@
               </a:lnSpc>
             </a:pPr>
             <a:r>
-              <a:rPr lang="ko-KR" altLang="en-US" sz="1200" dirty="0">
+              <a:rPr lang="ko-KR" altLang="en-US" sz="1200">
                 <a:solidFill>
                   <a:schemeClr val="tx1">
                     <a:lumMod val="75000"/>
@@ -5521,7 +5521,7 @@
                   </a:schemeClr>
                 </a:solidFill>
               </a:rPr>
-              <a:t>선언문</a:t>
+              <a:t>선언부</a:t>
             </a:r>
             <a:endParaRPr lang="en-US" altLang="ko-KR" sz="1200" dirty="0">
               <a:solidFill>
@@ -12544,12 +12544,12 @@
           <a:p>
             <a:pPr algn="r"/>
             <a:r>
-              <a:rPr lang="ko-KR" altLang="en-US" sz="2400" b="1" dirty="0">
+              <a:rPr lang="ko-KR" altLang="en-US" sz="2400" b="1" dirty="0" err="1">
                 <a:solidFill>
                   <a:schemeClr val="bg1"/>
                 </a:solidFill>
               </a:rPr>
-              <a:t>선언문</a:t>
+              <a:t>선언부</a:t>
             </a:r>
             <a:endParaRPr lang="ko-KR" altLang="en-US" dirty="0"/>
           </a:p>
